--- a/Challenges/24/24_final.pptx
+++ b/Challenges/24/24_final.pptx
@@ -1387,7 +1387,7 @@
         <p:spPr>
           <a:xfrm>
             <a:off x="108360" y="116280"/>
-            <a:ext cx="2781720" cy="345960"/>
+            <a:ext cx="5606640" cy="345600"/>
           </a:xfrm>
           <a:prstGeom prst="rect">
             <a:avLst/>
@@ -1404,7 +1404,7 @@
               <a:rPr lang="en-US">
                 <a:latin typeface="Arial"/>
               </a:rPr>
-              <a:t>the key for june thirtieth is</a:t>
+              <a:t>the key for number twenty four is</a:t>
             </a:r>
             <a:endParaRPr/>
           </a:p>
@@ -1418,8 +1418,90 @@
         </p:nvSpPr>
         <p:spPr>
           <a:xfrm>
-            <a:off x="1607040" y="782640"/>
-            <a:ext cx="317160" cy="317160"/>
+            <a:off x="1211400" y="790200"/>
+            <a:ext cx="316800" cy="316800"/>
+          </a:xfrm>
+          <a:prstGeom prst="ellipse">
+            <a:avLst/>
+          </a:prstGeom>
+          <a:solidFill>
+            <a:srgbClr val="ffffff"/>
+          </a:solidFill>
+          <a:ln w="38160">
+            <a:solidFill>
+              <a:srgbClr val="0099ff"/>
+            </a:solidFill>
+            <a:round/>
+          </a:ln>
+        </p:spPr>
+      </p:sp>
+      <p:sp>
+        <p:nvSpPr>
+          <p:cNvPr id="38" name="CustomShape 3"/>
+          <p:cNvSpPr/>
+          <p:nvPr/>
+        </p:nvSpPr>
+        <p:spPr>
+          <a:xfrm>
+            <a:off x="7050600" y="760320"/>
+            <a:ext cx="2781720" cy="346320"/>
+          </a:xfrm>
+          <a:prstGeom prst="rect">
+            <a:avLst/>
+          </a:prstGeom>
+          <a:noFill/>
+          <a:ln>
+            <a:noFill/>
+          </a:ln>
+        </p:spPr>
+        <p:txBody>
+          <a:bodyPr lIns="90000" rIns="90000" tIns="45000" bIns="45000"/>
+          <a:p>
+            <a:r>
+              <a:rPr lang="en-US">
+                <a:latin typeface="Arial"/>
+              </a:rPr>
+              <a:t>in lowercase</a:t>
+            </a:r>
+            <a:endParaRPr/>
+          </a:p>
+        </p:txBody>
+      </p:sp>
+      <p:sp>
+        <p:nvSpPr>
+          <p:cNvPr id="39" name="CustomShape 4"/>
+          <p:cNvSpPr/>
+          <p:nvPr/>
+        </p:nvSpPr>
+        <p:spPr>
+          <a:xfrm>
+            <a:off x="1751400" y="790560"/>
+            <a:ext cx="316800" cy="316800"/>
+          </a:xfrm>
+          <a:prstGeom prst="ellipse">
+            <a:avLst/>
+          </a:prstGeom>
+          <a:solidFill>
+            <a:srgbClr val="ffffff"/>
+          </a:solidFill>
+          <a:ln w="38160">
+            <a:solidFill>
+              <a:srgbClr val="3deb3d"/>
+            </a:solidFill>
+            <a:round/>
+          </a:ln>
+        </p:spPr>
+      </p:sp>
+      <p:sp>
+        <p:nvSpPr>
+          <p:cNvPr id="40" name="CustomShape 5"/>
+          <p:cNvSpPr/>
+          <p:nvPr/>
+        </p:nvSpPr>
+        <p:spPr>
+          <a:xfrm>
+            <a:off x="3767400" y="790920"/>
+            <a:ext cx="316800" cy="316800"/>
           </a:xfrm>
           <a:prstGeom prst="ellipse">
             <a:avLst/>
@@ -1437,14 +1519,114 @@
       </p:sp>
       <p:sp>
         <p:nvSpPr>
-          <p:cNvPr id="38" name="CustomShape 3"/>
+          <p:cNvPr id="41" name="CustomShape 6"/>
           <p:cNvSpPr/>
           <p:nvPr/>
         </p:nvSpPr>
         <p:spPr>
           <a:xfrm>
-            <a:off x="1137600" y="783000"/>
-            <a:ext cx="317160" cy="317160"/>
+            <a:off x="3335400" y="790920"/>
+            <a:ext cx="316800" cy="316800"/>
+          </a:xfrm>
+          <a:prstGeom prst="ellipse">
+            <a:avLst/>
+          </a:prstGeom>
+          <a:solidFill>
+            <a:srgbClr val="ffffff"/>
+          </a:solidFill>
+          <a:ln w="38160">
+            <a:solidFill>
+              <a:srgbClr val="3deb3d"/>
+            </a:solidFill>
+            <a:round/>
+          </a:ln>
+        </p:spPr>
+      </p:sp>
+      <p:sp>
+        <p:nvSpPr>
+          <p:cNvPr id="42" name="CustomShape 7"/>
+          <p:cNvSpPr/>
+          <p:nvPr/>
+        </p:nvSpPr>
+        <p:spPr>
+          <a:xfrm>
+            <a:off x="2939400" y="790920"/>
+            <a:ext cx="316800" cy="316800"/>
+          </a:xfrm>
+          <a:prstGeom prst="ellipse">
+            <a:avLst/>
+          </a:prstGeom>
+          <a:solidFill>
+            <a:srgbClr val="ffffff"/>
+          </a:solidFill>
+          <a:ln w="38160">
+            <a:solidFill>
+              <a:srgbClr val="3deb3d"/>
+            </a:solidFill>
+            <a:round/>
+          </a:ln>
+        </p:spPr>
+      </p:sp>
+      <p:sp>
+        <p:nvSpPr>
+          <p:cNvPr id="43" name="CustomShape 8"/>
+          <p:cNvSpPr/>
+          <p:nvPr/>
+        </p:nvSpPr>
+        <p:spPr>
+          <a:xfrm>
+            <a:off x="2543400" y="790920"/>
+            <a:ext cx="316800" cy="316800"/>
+          </a:xfrm>
+          <a:prstGeom prst="ellipse">
+            <a:avLst/>
+          </a:prstGeom>
+          <a:solidFill>
+            <a:srgbClr val="ffffff"/>
+          </a:solidFill>
+          <a:ln w="38160">
+            <a:solidFill>
+              <a:srgbClr val="3deb3d"/>
+            </a:solidFill>
+            <a:round/>
+          </a:ln>
+        </p:spPr>
+      </p:sp>
+      <p:sp>
+        <p:nvSpPr>
+          <p:cNvPr id="44" name="CustomShape 9"/>
+          <p:cNvSpPr/>
+          <p:nvPr/>
+        </p:nvSpPr>
+        <p:spPr>
+          <a:xfrm>
+            <a:off x="2147400" y="790920"/>
+            <a:ext cx="316800" cy="316800"/>
+          </a:xfrm>
+          <a:prstGeom prst="ellipse">
+            <a:avLst/>
+          </a:prstGeom>
+          <a:solidFill>
+            <a:srgbClr val="ffffff"/>
+          </a:solidFill>
+          <a:ln w="38160">
+            <a:solidFill>
+              <a:srgbClr val="3deb3d"/>
+            </a:solidFill>
+            <a:round/>
+          </a:ln>
+        </p:spPr>
+      </p:sp>
+      <p:sp>
+        <p:nvSpPr>
+          <p:cNvPr id="45" name="CustomShape 10"/>
+          <p:cNvSpPr/>
+          <p:nvPr/>
+        </p:nvSpPr>
+        <p:spPr>
+          <a:xfrm>
+            <a:off x="6143400" y="791280"/>
+            <a:ext cx="316800" cy="316800"/>
           </a:xfrm>
           <a:prstGeom prst="ellipse">
             <a:avLst/>
@@ -1462,14 +1644,14 @@
       </p:sp>
       <p:sp>
         <p:nvSpPr>
-          <p:cNvPr id="39" name="CustomShape 4"/>
+          <p:cNvPr id="46" name="CustomShape 11"/>
           <p:cNvSpPr/>
           <p:nvPr/>
         </p:nvSpPr>
         <p:spPr>
           <a:xfrm>
-            <a:off x="2090160" y="783000"/>
-            <a:ext cx="317160" cy="317160"/>
+            <a:off x="5747400" y="791280"/>
+            <a:ext cx="316800" cy="316800"/>
           </a:xfrm>
           <a:prstGeom prst="ellipse">
             <a:avLst/>
@@ -1487,14 +1669,14 @@
       </p:sp>
       <p:sp>
         <p:nvSpPr>
-          <p:cNvPr id="40" name="CustomShape 5"/>
+          <p:cNvPr id="47" name="CustomShape 12"/>
           <p:cNvSpPr/>
           <p:nvPr/>
         </p:nvSpPr>
         <p:spPr>
           <a:xfrm>
-            <a:off x="2559960" y="783000"/>
-            <a:ext cx="317160" cy="317160"/>
+            <a:off x="5351400" y="791280"/>
+            <a:ext cx="316800" cy="316800"/>
           </a:xfrm>
           <a:prstGeom prst="ellipse">
             <a:avLst/>
@@ -1512,14 +1694,14 @@
       </p:sp>
       <p:sp>
         <p:nvSpPr>
-          <p:cNvPr id="41" name="CustomShape 6"/>
+          <p:cNvPr id="48" name="CustomShape 13"/>
           <p:cNvSpPr/>
           <p:nvPr/>
         </p:nvSpPr>
         <p:spPr>
           <a:xfrm>
-            <a:off x="3055320" y="783000"/>
-            <a:ext cx="317160" cy="317160"/>
+            <a:off x="4955400" y="791280"/>
+            <a:ext cx="316800" cy="316800"/>
           </a:xfrm>
           <a:prstGeom prst="ellipse">
             <a:avLst/>
@@ -1537,14 +1719,14 @@
       </p:sp>
       <p:sp>
         <p:nvSpPr>
-          <p:cNvPr id="42" name="CustomShape 7"/>
+          <p:cNvPr id="49" name="CustomShape 14"/>
           <p:cNvSpPr/>
           <p:nvPr/>
         </p:nvSpPr>
         <p:spPr>
           <a:xfrm>
-            <a:off x="3524760" y="783000"/>
-            <a:ext cx="317160" cy="317160"/>
+            <a:off x="4559400" y="791280"/>
+            <a:ext cx="316800" cy="316800"/>
           </a:xfrm>
           <a:prstGeom prst="ellipse">
             <a:avLst/>
@@ -1562,14 +1744,14 @@
       </p:sp>
       <p:sp>
         <p:nvSpPr>
-          <p:cNvPr id="43" name="CustomShape 8"/>
+          <p:cNvPr id="50" name="CustomShape 15"/>
           <p:cNvSpPr/>
           <p:nvPr/>
         </p:nvSpPr>
         <p:spPr>
           <a:xfrm>
-            <a:off x="3981960" y="783000"/>
-            <a:ext cx="317160" cy="317160"/>
+            <a:off x="4163400" y="791280"/>
+            <a:ext cx="316800" cy="316800"/>
           </a:xfrm>
           <a:prstGeom prst="ellipse">
             <a:avLst/>
@@ -1584,954 +1766,6 @@
             <a:round/>
           </a:ln>
         </p:spPr>
-      </p:sp>
-      <p:sp>
-        <p:nvSpPr>
-          <p:cNvPr id="44" name="CustomShape 9"/>
-          <p:cNvSpPr/>
-          <p:nvPr/>
-        </p:nvSpPr>
-        <p:spPr>
-          <a:xfrm>
-            <a:off x="6141240" y="770760"/>
-            <a:ext cx="317160" cy="317160"/>
-          </a:xfrm>
-          <a:prstGeom prst="ellipse">
-            <a:avLst/>
-          </a:prstGeom>
-          <a:solidFill>
-            <a:srgbClr val="ffffff"/>
-          </a:solidFill>
-          <a:ln w="38160">
-            <a:solidFill>
-              <a:srgbClr val="0099ff"/>
-            </a:solidFill>
-            <a:round/>
-          </a:ln>
-        </p:spPr>
-      </p:sp>
-      <p:sp>
-        <p:nvSpPr>
-          <p:cNvPr id="45" name="CustomShape 10"/>
-          <p:cNvSpPr/>
-          <p:nvPr/>
-        </p:nvSpPr>
-        <p:spPr>
-          <a:xfrm>
-            <a:off x="6548400" y="772920"/>
-            <a:ext cx="317160" cy="317160"/>
-          </a:xfrm>
-          <a:prstGeom prst="ellipse">
-            <a:avLst/>
-          </a:prstGeom>
-          <a:solidFill>
-            <a:srgbClr val="ffffff"/>
-          </a:solidFill>
-          <a:ln w="38160">
-            <a:solidFill>
-              <a:srgbClr val="0099ff"/>
-            </a:solidFill>
-            <a:round/>
-          </a:ln>
-        </p:spPr>
-      </p:sp>
-      <p:sp>
-        <p:nvSpPr>
-          <p:cNvPr id="46" name="CustomShape 11"/>
-          <p:cNvSpPr/>
-          <p:nvPr/>
-        </p:nvSpPr>
-        <p:spPr>
-          <a:xfrm>
-            <a:off x="5724720" y="773280"/>
-            <a:ext cx="317160" cy="317160"/>
-          </a:xfrm>
-          <a:prstGeom prst="ellipse">
-            <a:avLst/>
-          </a:prstGeom>
-          <a:solidFill>
-            <a:srgbClr val="ffffff"/>
-          </a:solidFill>
-          <a:ln w="38160">
-            <a:solidFill>
-              <a:srgbClr val="0099ff"/>
-            </a:solidFill>
-            <a:round/>
-          </a:ln>
-        </p:spPr>
-      </p:sp>
-      <p:sp>
-        <p:nvSpPr>
-          <p:cNvPr id="47" name="CustomShape 12"/>
-          <p:cNvSpPr/>
-          <p:nvPr/>
-        </p:nvSpPr>
-        <p:spPr>
-          <a:xfrm>
-            <a:off x="4442400" y="773640"/>
-            <a:ext cx="317160" cy="317160"/>
-          </a:xfrm>
-          <a:prstGeom prst="ellipse">
-            <a:avLst/>
-          </a:prstGeom>
-          <a:solidFill>
-            <a:srgbClr val="ffffff"/>
-          </a:solidFill>
-          <a:ln w="38160">
-            <a:solidFill>
-              <a:srgbClr val="3deb3d"/>
-            </a:solidFill>
-            <a:round/>
-          </a:ln>
-        </p:spPr>
-      </p:sp>
-      <p:sp>
-        <p:nvSpPr>
-          <p:cNvPr id="48" name="CustomShape 13"/>
-          <p:cNvSpPr/>
-          <p:nvPr/>
-        </p:nvSpPr>
-        <p:spPr>
-          <a:xfrm>
-            <a:off x="4849200" y="774000"/>
-            <a:ext cx="317160" cy="317160"/>
-          </a:xfrm>
-          <a:prstGeom prst="ellipse">
-            <a:avLst/>
-          </a:prstGeom>
-          <a:solidFill>
-            <a:srgbClr val="ffffff"/>
-          </a:solidFill>
-          <a:ln w="38160">
-            <a:solidFill>
-              <a:srgbClr val="3deb3d"/>
-            </a:solidFill>
-            <a:round/>
-          </a:ln>
-        </p:spPr>
-      </p:sp>
-      <p:sp>
-        <p:nvSpPr>
-          <p:cNvPr id="49" name="CustomShape 14"/>
-          <p:cNvSpPr/>
-          <p:nvPr/>
-        </p:nvSpPr>
-        <p:spPr>
-          <a:xfrm>
-            <a:off x="5268240" y="786600"/>
-            <a:ext cx="317160" cy="317160"/>
-          </a:xfrm>
-          <a:prstGeom prst="ellipse">
-            <a:avLst/>
-          </a:prstGeom>
-          <a:solidFill>
-            <a:srgbClr val="ffffff"/>
-          </a:solidFill>
-          <a:ln w="38160">
-            <a:solidFill>
-              <a:srgbClr val="3deb3d"/>
-            </a:solidFill>
-            <a:round/>
-          </a:ln>
-        </p:spPr>
-      </p:sp>
-      <p:sp>
-        <p:nvSpPr>
-          <p:cNvPr id="50" name="CustomShape 15"/>
-          <p:cNvSpPr/>
-          <p:nvPr/>
-        </p:nvSpPr>
-        <p:spPr>
-          <a:xfrm>
-            <a:off x="169200" y="2666520"/>
-            <a:ext cx="2781720" cy="345960"/>
-          </a:xfrm>
-          <a:prstGeom prst="rect">
-            <a:avLst/>
-          </a:prstGeom>
-          <a:noFill/>
-          <a:ln>
-            <a:noFill/>
-          </a:ln>
-        </p:spPr>
-        <p:txBody>
-          <a:bodyPr lIns="90000" rIns="90000" tIns="45000" bIns="45000"/>
-          <a:p>
-            <a:r>
-              <a:rPr lang="en-US">
-                <a:latin typeface="Arial"/>
-              </a:rPr>
-              <a:t>the key for june thirtieth is</a:t>
-            </a:r>
-            <a:endParaRPr/>
-          </a:p>
-        </p:txBody>
-      </p:sp>
-      <p:sp>
-        <p:nvSpPr>
-          <p:cNvPr id="51" name="CustomShape 16"/>
-          <p:cNvSpPr/>
-          <p:nvPr/>
-        </p:nvSpPr>
-        <p:spPr>
-          <a:xfrm>
-            <a:off x="1667880" y="3332880"/>
-            <a:ext cx="317160" cy="317160"/>
-          </a:xfrm>
-          <a:prstGeom prst="ellipse">
-            <a:avLst/>
-          </a:prstGeom>
-          <a:solidFill>
-            <a:srgbClr val="ffffff"/>
-          </a:solidFill>
-          <a:ln w="38160">
-            <a:solidFill>
-              <a:srgbClr val="ff0000"/>
-            </a:solidFill>
-            <a:round/>
-          </a:ln>
-        </p:spPr>
-      </p:sp>
-      <p:sp>
-        <p:nvSpPr>
-          <p:cNvPr id="52" name="CustomShape 17"/>
-          <p:cNvSpPr/>
-          <p:nvPr/>
-        </p:nvSpPr>
-        <p:spPr>
-          <a:xfrm>
-            <a:off x="1198440" y="3333240"/>
-            <a:ext cx="317160" cy="317160"/>
-          </a:xfrm>
-          <a:prstGeom prst="ellipse">
-            <a:avLst/>
-          </a:prstGeom>
-          <a:solidFill>
-            <a:srgbClr val="ffffff"/>
-          </a:solidFill>
-          <a:ln w="38160">
-            <a:solidFill>
-              <a:srgbClr val="ff0000"/>
-            </a:solidFill>
-            <a:round/>
-          </a:ln>
-        </p:spPr>
-      </p:sp>
-      <p:sp>
-        <p:nvSpPr>
-          <p:cNvPr id="53" name="CustomShape 18"/>
-          <p:cNvSpPr/>
-          <p:nvPr/>
-        </p:nvSpPr>
-        <p:spPr>
-          <a:xfrm>
-            <a:off x="2151000" y="3333240"/>
-            <a:ext cx="317160" cy="317160"/>
-          </a:xfrm>
-          <a:prstGeom prst="ellipse">
-            <a:avLst/>
-          </a:prstGeom>
-          <a:solidFill>
-            <a:srgbClr val="ffffff"/>
-          </a:solidFill>
-          <a:ln w="38160">
-            <a:solidFill>
-              <a:srgbClr val="ff0000"/>
-            </a:solidFill>
-            <a:round/>
-          </a:ln>
-        </p:spPr>
-      </p:sp>
-      <p:sp>
-        <p:nvSpPr>
-          <p:cNvPr id="54" name="CustomShape 19"/>
-          <p:cNvSpPr/>
-          <p:nvPr/>
-        </p:nvSpPr>
-        <p:spPr>
-          <a:xfrm>
-            <a:off x="2620800" y="3333240"/>
-            <a:ext cx="317160" cy="317160"/>
-          </a:xfrm>
-          <a:prstGeom prst="ellipse">
-            <a:avLst/>
-          </a:prstGeom>
-          <a:solidFill>
-            <a:srgbClr val="ffffff"/>
-          </a:solidFill>
-          <a:ln w="38160">
-            <a:solidFill>
-              <a:srgbClr val="ff0000"/>
-            </a:solidFill>
-            <a:round/>
-          </a:ln>
-        </p:spPr>
-      </p:sp>
-      <p:sp>
-        <p:nvSpPr>
-          <p:cNvPr id="55" name="CustomShape 20"/>
-          <p:cNvSpPr/>
-          <p:nvPr/>
-        </p:nvSpPr>
-        <p:spPr>
-          <a:xfrm>
-            <a:off x="3116160" y="3333240"/>
-            <a:ext cx="317160" cy="317160"/>
-          </a:xfrm>
-          <a:prstGeom prst="ellipse">
-            <a:avLst/>
-          </a:prstGeom>
-          <a:solidFill>
-            <a:srgbClr val="ffffff"/>
-          </a:solidFill>
-          <a:ln w="38160">
-            <a:solidFill>
-              <a:srgbClr val="ff0000"/>
-            </a:solidFill>
-            <a:round/>
-          </a:ln>
-        </p:spPr>
-      </p:sp>
-      <p:sp>
-        <p:nvSpPr>
-          <p:cNvPr id="56" name="CustomShape 21"/>
-          <p:cNvSpPr/>
-          <p:nvPr/>
-        </p:nvSpPr>
-        <p:spPr>
-          <a:xfrm>
-            <a:off x="3585600" y="3333240"/>
-            <a:ext cx="317160" cy="317160"/>
-          </a:xfrm>
-          <a:prstGeom prst="ellipse">
-            <a:avLst/>
-          </a:prstGeom>
-          <a:solidFill>
-            <a:srgbClr val="ffffff"/>
-          </a:solidFill>
-          <a:ln w="38160">
-            <a:solidFill>
-              <a:srgbClr val="ff0000"/>
-            </a:solidFill>
-            <a:round/>
-          </a:ln>
-        </p:spPr>
-      </p:sp>
-      <p:sp>
-        <p:nvSpPr>
-          <p:cNvPr id="57" name="CustomShape 22"/>
-          <p:cNvSpPr/>
-          <p:nvPr/>
-        </p:nvSpPr>
-        <p:spPr>
-          <a:xfrm>
-            <a:off x="4042800" y="3333240"/>
-            <a:ext cx="317160" cy="317160"/>
-          </a:xfrm>
-          <a:prstGeom prst="ellipse">
-            <a:avLst/>
-          </a:prstGeom>
-          <a:solidFill>
-            <a:srgbClr val="ffffff"/>
-          </a:solidFill>
-          <a:ln w="38160">
-            <a:solidFill>
-              <a:srgbClr val="ff0000"/>
-            </a:solidFill>
-            <a:round/>
-          </a:ln>
-        </p:spPr>
-      </p:sp>
-      <p:sp>
-        <p:nvSpPr>
-          <p:cNvPr id="58" name="CustomShape 23"/>
-          <p:cNvSpPr/>
-          <p:nvPr/>
-        </p:nvSpPr>
-        <p:spPr>
-          <a:xfrm>
-            <a:off x="6202080" y="3321000"/>
-            <a:ext cx="317160" cy="317160"/>
-          </a:xfrm>
-          <a:prstGeom prst="ellipse">
-            <a:avLst/>
-          </a:prstGeom>
-          <a:solidFill>
-            <a:srgbClr val="ffffff"/>
-          </a:solidFill>
-          <a:ln w="38160">
-            <a:solidFill>
-              <a:srgbClr val="0099ff"/>
-            </a:solidFill>
-            <a:round/>
-          </a:ln>
-        </p:spPr>
-      </p:sp>
-      <p:sp>
-        <p:nvSpPr>
-          <p:cNvPr id="59" name="CustomShape 24"/>
-          <p:cNvSpPr/>
-          <p:nvPr/>
-        </p:nvSpPr>
-        <p:spPr>
-          <a:xfrm>
-            <a:off x="6609240" y="3323160"/>
-            <a:ext cx="317160" cy="317160"/>
-          </a:xfrm>
-          <a:prstGeom prst="ellipse">
-            <a:avLst/>
-          </a:prstGeom>
-          <a:solidFill>
-            <a:srgbClr val="ffffff"/>
-          </a:solidFill>
-          <a:ln w="38160">
-            <a:solidFill>
-              <a:srgbClr val="0099ff"/>
-            </a:solidFill>
-            <a:round/>
-          </a:ln>
-        </p:spPr>
-      </p:sp>
-      <p:sp>
-        <p:nvSpPr>
-          <p:cNvPr id="60" name="CustomShape 25"/>
-          <p:cNvSpPr/>
-          <p:nvPr/>
-        </p:nvSpPr>
-        <p:spPr>
-          <a:xfrm>
-            <a:off x="5785560" y="3323520"/>
-            <a:ext cx="317160" cy="317160"/>
-          </a:xfrm>
-          <a:prstGeom prst="ellipse">
-            <a:avLst/>
-          </a:prstGeom>
-          <a:solidFill>
-            <a:srgbClr val="ffffff"/>
-          </a:solidFill>
-          <a:ln w="38160">
-            <a:solidFill>
-              <a:srgbClr val="0099ff"/>
-            </a:solidFill>
-            <a:round/>
-          </a:ln>
-        </p:spPr>
-      </p:sp>
-      <p:sp>
-        <p:nvSpPr>
-          <p:cNvPr id="61" name="CustomShape 26"/>
-          <p:cNvSpPr/>
-          <p:nvPr/>
-        </p:nvSpPr>
-        <p:spPr>
-          <a:xfrm>
-            <a:off x="4503240" y="3323880"/>
-            <a:ext cx="317160" cy="317160"/>
-          </a:xfrm>
-          <a:prstGeom prst="ellipse">
-            <a:avLst/>
-          </a:prstGeom>
-          <a:solidFill>
-            <a:srgbClr val="ffffff"/>
-          </a:solidFill>
-          <a:ln w="38160">
-            <a:solidFill>
-              <a:srgbClr val="3deb3d"/>
-            </a:solidFill>
-            <a:round/>
-          </a:ln>
-        </p:spPr>
-      </p:sp>
-      <p:sp>
-        <p:nvSpPr>
-          <p:cNvPr id="62" name="CustomShape 27"/>
-          <p:cNvSpPr/>
-          <p:nvPr/>
-        </p:nvSpPr>
-        <p:spPr>
-          <a:xfrm>
-            <a:off x="4910040" y="3324240"/>
-            <a:ext cx="317160" cy="317160"/>
-          </a:xfrm>
-          <a:prstGeom prst="ellipse">
-            <a:avLst/>
-          </a:prstGeom>
-          <a:solidFill>
-            <a:srgbClr val="ffffff"/>
-          </a:solidFill>
-          <a:ln w="38160">
-            <a:solidFill>
-              <a:srgbClr val="3deb3d"/>
-            </a:solidFill>
-            <a:round/>
-          </a:ln>
-        </p:spPr>
-      </p:sp>
-      <p:sp>
-        <p:nvSpPr>
-          <p:cNvPr id="63" name="CustomShape 28"/>
-          <p:cNvSpPr/>
-          <p:nvPr/>
-        </p:nvSpPr>
-        <p:spPr>
-          <a:xfrm>
-            <a:off x="5329080" y="3336840"/>
-            <a:ext cx="317160" cy="317160"/>
-          </a:xfrm>
-          <a:prstGeom prst="ellipse">
-            <a:avLst/>
-          </a:prstGeom>
-          <a:solidFill>
-            <a:srgbClr val="ffffff"/>
-          </a:solidFill>
-          <a:ln w="38160">
-            <a:solidFill>
-              <a:srgbClr val="3deb3d"/>
-            </a:solidFill>
-            <a:round/>
-          </a:ln>
-        </p:spPr>
-      </p:sp>
-      <p:sp>
-        <p:nvSpPr>
-          <p:cNvPr id="64" name="CustomShape 29"/>
-          <p:cNvSpPr/>
-          <p:nvPr/>
-        </p:nvSpPr>
-        <p:spPr>
-          <a:xfrm>
-            <a:off x="232920" y="5244480"/>
-            <a:ext cx="2781720" cy="345960"/>
-          </a:xfrm>
-          <a:prstGeom prst="rect">
-            <a:avLst/>
-          </a:prstGeom>
-          <a:noFill/>
-          <a:ln>
-            <a:noFill/>
-          </a:ln>
-        </p:spPr>
-        <p:txBody>
-          <a:bodyPr lIns="90000" rIns="90000" tIns="45000" bIns="45000"/>
-          <a:p>
-            <a:r>
-              <a:rPr lang="en-US">
-                <a:latin typeface="Arial"/>
-              </a:rPr>
-              <a:t>the key for june thirtieth is</a:t>
-            </a:r>
-            <a:endParaRPr/>
-          </a:p>
-        </p:txBody>
-      </p:sp>
-      <p:sp>
-        <p:nvSpPr>
-          <p:cNvPr id="65" name="CustomShape 30"/>
-          <p:cNvSpPr/>
-          <p:nvPr/>
-        </p:nvSpPr>
-        <p:spPr>
-          <a:xfrm>
-            <a:off x="1731600" y="5910840"/>
-            <a:ext cx="317160" cy="317160"/>
-          </a:xfrm>
-          <a:prstGeom prst="ellipse">
-            <a:avLst/>
-          </a:prstGeom>
-          <a:solidFill>
-            <a:srgbClr val="ffffff"/>
-          </a:solidFill>
-          <a:ln w="38160">
-            <a:solidFill>
-              <a:srgbClr val="ff0000"/>
-            </a:solidFill>
-            <a:round/>
-          </a:ln>
-        </p:spPr>
-      </p:sp>
-      <p:sp>
-        <p:nvSpPr>
-          <p:cNvPr id="66" name="CustomShape 31"/>
-          <p:cNvSpPr/>
-          <p:nvPr/>
-        </p:nvSpPr>
-        <p:spPr>
-          <a:xfrm>
-            <a:off x="1262160" y="5911200"/>
-            <a:ext cx="317160" cy="317160"/>
-          </a:xfrm>
-          <a:prstGeom prst="ellipse">
-            <a:avLst/>
-          </a:prstGeom>
-          <a:solidFill>
-            <a:srgbClr val="ffffff"/>
-          </a:solidFill>
-          <a:ln w="38160">
-            <a:solidFill>
-              <a:srgbClr val="ff0000"/>
-            </a:solidFill>
-            <a:round/>
-          </a:ln>
-        </p:spPr>
-      </p:sp>
-      <p:sp>
-        <p:nvSpPr>
-          <p:cNvPr id="67" name="CustomShape 32"/>
-          <p:cNvSpPr/>
-          <p:nvPr/>
-        </p:nvSpPr>
-        <p:spPr>
-          <a:xfrm>
-            <a:off x="2214720" y="5911200"/>
-            <a:ext cx="317160" cy="317160"/>
-          </a:xfrm>
-          <a:prstGeom prst="ellipse">
-            <a:avLst/>
-          </a:prstGeom>
-          <a:solidFill>
-            <a:srgbClr val="ffffff"/>
-          </a:solidFill>
-          <a:ln w="38160">
-            <a:solidFill>
-              <a:srgbClr val="ff0000"/>
-            </a:solidFill>
-            <a:round/>
-          </a:ln>
-        </p:spPr>
-      </p:sp>
-      <p:sp>
-        <p:nvSpPr>
-          <p:cNvPr id="68" name="CustomShape 33"/>
-          <p:cNvSpPr/>
-          <p:nvPr/>
-        </p:nvSpPr>
-        <p:spPr>
-          <a:xfrm>
-            <a:off x="2684520" y="5911200"/>
-            <a:ext cx="317160" cy="317160"/>
-          </a:xfrm>
-          <a:prstGeom prst="ellipse">
-            <a:avLst/>
-          </a:prstGeom>
-          <a:solidFill>
-            <a:srgbClr val="ffffff"/>
-          </a:solidFill>
-          <a:ln w="38160">
-            <a:solidFill>
-              <a:srgbClr val="ff0000"/>
-            </a:solidFill>
-            <a:round/>
-          </a:ln>
-        </p:spPr>
-      </p:sp>
-      <p:sp>
-        <p:nvSpPr>
-          <p:cNvPr id="69" name="CustomShape 34"/>
-          <p:cNvSpPr/>
-          <p:nvPr/>
-        </p:nvSpPr>
-        <p:spPr>
-          <a:xfrm>
-            <a:off x="3179880" y="5911200"/>
-            <a:ext cx="317160" cy="317160"/>
-          </a:xfrm>
-          <a:prstGeom prst="ellipse">
-            <a:avLst/>
-          </a:prstGeom>
-          <a:solidFill>
-            <a:srgbClr val="ffffff"/>
-          </a:solidFill>
-          <a:ln w="38160">
-            <a:solidFill>
-              <a:srgbClr val="ff0000"/>
-            </a:solidFill>
-            <a:round/>
-          </a:ln>
-        </p:spPr>
-      </p:sp>
-      <p:sp>
-        <p:nvSpPr>
-          <p:cNvPr id="70" name="CustomShape 35"/>
-          <p:cNvSpPr/>
-          <p:nvPr/>
-        </p:nvSpPr>
-        <p:spPr>
-          <a:xfrm>
-            <a:off x="3649320" y="5911200"/>
-            <a:ext cx="317160" cy="317160"/>
-          </a:xfrm>
-          <a:prstGeom prst="ellipse">
-            <a:avLst/>
-          </a:prstGeom>
-          <a:solidFill>
-            <a:srgbClr val="ffffff"/>
-          </a:solidFill>
-          <a:ln w="38160">
-            <a:solidFill>
-              <a:srgbClr val="ff0000"/>
-            </a:solidFill>
-            <a:round/>
-          </a:ln>
-        </p:spPr>
-      </p:sp>
-      <p:sp>
-        <p:nvSpPr>
-          <p:cNvPr id="71" name="CustomShape 36"/>
-          <p:cNvSpPr/>
-          <p:nvPr/>
-        </p:nvSpPr>
-        <p:spPr>
-          <a:xfrm>
-            <a:off x="4106520" y="5911200"/>
-            <a:ext cx="317160" cy="317160"/>
-          </a:xfrm>
-          <a:prstGeom prst="ellipse">
-            <a:avLst/>
-          </a:prstGeom>
-          <a:solidFill>
-            <a:srgbClr val="ffffff"/>
-          </a:solidFill>
-          <a:ln w="38160">
-            <a:solidFill>
-              <a:srgbClr val="ff0000"/>
-            </a:solidFill>
-            <a:round/>
-          </a:ln>
-        </p:spPr>
-      </p:sp>
-      <p:sp>
-        <p:nvSpPr>
-          <p:cNvPr id="72" name="CustomShape 37"/>
-          <p:cNvSpPr/>
-          <p:nvPr/>
-        </p:nvSpPr>
-        <p:spPr>
-          <a:xfrm>
-            <a:off x="6265800" y="5898960"/>
-            <a:ext cx="317160" cy="317160"/>
-          </a:xfrm>
-          <a:prstGeom prst="ellipse">
-            <a:avLst/>
-          </a:prstGeom>
-          <a:solidFill>
-            <a:srgbClr val="ffffff"/>
-          </a:solidFill>
-          <a:ln w="38160">
-            <a:solidFill>
-              <a:srgbClr val="0099ff"/>
-            </a:solidFill>
-            <a:round/>
-          </a:ln>
-        </p:spPr>
-      </p:sp>
-      <p:sp>
-        <p:nvSpPr>
-          <p:cNvPr id="73" name="CustomShape 38"/>
-          <p:cNvSpPr/>
-          <p:nvPr/>
-        </p:nvSpPr>
-        <p:spPr>
-          <a:xfrm>
-            <a:off x="6672960" y="5901120"/>
-            <a:ext cx="317160" cy="317160"/>
-          </a:xfrm>
-          <a:prstGeom prst="ellipse">
-            <a:avLst/>
-          </a:prstGeom>
-          <a:solidFill>
-            <a:srgbClr val="ffffff"/>
-          </a:solidFill>
-          <a:ln w="38160">
-            <a:solidFill>
-              <a:srgbClr val="0099ff"/>
-            </a:solidFill>
-            <a:round/>
-          </a:ln>
-        </p:spPr>
-      </p:sp>
-      <p:sp>
-        <p:nvSpPr>
-          <p:cNvPr id="74" name="CustomShape 39"/>
-          <p:cNvSpPr/>
-          <p:nvPr/>
-        </p:nvSpPr>
-        <p:spPr>
-          <a:xfrm>
-            <a:off x="5849280" y="5901480"/>
-            <a:ext cx="317160" cy="317160"/>
-          </a:xfrm>
-          <a:prstGeom prst="ellipse">
-            <a:avLst/>
-          </a:prstGeom>
-          <a:solidFill>
-            <a:srgbClr val="ffffff"/>
-          </a:solidFill>
-          <a:ln w="38160">
-            <a:solidFill>
-              <a:srgbClr val="0099ff"/>
-            </a:solidFill>
-            <a:round/>
-          </a:ln>
-        </p:spPr>
-      </p:sp>
-      <p:sp>
-        <p:nvSpPr>
-          <p:cNvPr id="75" name="CustomShape 40"/>
-          <p:cNvSpPr/>
-          <p:nvPr/>
-        </p:nvSpPr>
-        <p:spPr>
-          <a:xfrm>
-            <a:off x="4566960" y="5901840"/>
-            <a:ext cx="317160" cy="317160"/>
-          </a:xfrm>
-          <a:prstGeom prst="ellipse">
-            <a:avLst/>
-          </a:prstGeom>
-          <a:solidFill>
-            <a:srgbClr val="ffffff"/>
-          </a:solidFill>
-          <a:ln w="38160">
-            <a:solidFill>
-              <a:srgbClr val="3deb3d"/>
-            </a:solidFill>
-            <a:round/>
-          </a:ln>
-        </p:spPr>
-      </p:sp>
-      <p:sp>
-        <p:nvSpPr>
-          <p:cNvPr id="76" name="CustomShape 41"/>
-          <p:cNvSpPr/>
-          <p:nvPr/>
-        </p:nvSpPr>
-        <p:spPr>
-          <a:xfrm>
-            <a:off x="4973760" y="5902200"/>
-            <a:ext cx="317160" cy="317160"/>
-          </a:xfrm>
-          <a:prstGeom prst="ellipse">
-            <a:avLst/>
-          </a:prstGeom>
-          <a:solidFill>
-            <a:srgbClr val="ffffff"/>
-          </a:solidFill>
-          <a:ln w="38160">
-            <a:solidFill>
-              <a:srgbClr val="3deb3d"/>
-            </a:solidFill>
-            <a:round/>
-          </a:ln>
-        </p:spPr>
-      </p:sp>
-      <p:sp>
-        <p:nvSpPr>
-          <p:cNvPr id="77" name="CustomShape 42"/>
-          <p:cNvSpPr/>
-          <p:nvPr/>
-        </p:nvSpPr>
-        <p:spPr>
-          <a:xfrm>
-            <a:off x="5392800" y="5914800"/>
-            <a:ext cx="317160" cy="317160"/>
-          </a:xfrm>
-          <a:prstGeom prst="ellipse">
-            <a:avLst/>
-          </a:prstGeom>
-          <a:solidFill>
-            <a:srgbClr val="ffffff"/>
-          </a:solidFill>
-          <a:ln w="38160">
-            <a:solidFill>
-              <a:srgbClr val="3deb3d"/>
-            </a:solidFill>
-            <a:round/>
-          </a:ln>
-        </p:spPr>
-      </p:sp>
-      <p:sp>
-        <p:nvSpPr>
-          <p:cNvPr id="78" name="TextShape 43"/>
-          <p:cNvSpPr txBox="1"/>
-          <p:nvPr/>
-        </p:nvSpPr>
-        <p:spPr>
-          <a:xfrm>
-            <a:off x="7050600" y="760320"/>
-            <a:ext cx="2782080" cy="346680"/>
-          </a:xfrm>
-          <a:prstGeom prst="rect">
-            <a:avLst/>
-          </a:prstGeom>
-        </p:spPr>
-        <p:txBody>
-          <a:bodyPr lIns="90000" rIns="90000" tIns="45000" bIns="45000"/>
-          <a:p>
-            <a:r>
-              <a:rPr lang="en-US">
-                <a:latin typeface="Arial"/>
-              </a:rPr>
-              <a:t>in lowercase</a:t>
-            </a:r>
-            <a:endParaRPr/>
-          </a:p>
-        </p:txBody>
-      </p:sp>
-      <p:sp>
-        <p:nvSpPr>
-          <p:cNvPr id="79" name="TextShape 44"/>
-          <p:cNvSpPr txBox="1"/>
-          <p:nvPr/>
-        </p:nvSpPr>
-        <p:spPr>
-          <a:xfrm>
-            <a:off x="7086600" y="3310920"/>
-            <a:ext cx="2782080" cy="346680"/>
-          </a:xfrm>
-          <a:prstGeom prst="rect">
-            <a:avLst/>
-          </a:prstGeom>
-        </p:spPr>
-        <p:txBody>
-          <a:bodyPr lIns="90000" rIns="90000" tIns="45000" bIns="45000"/>
-          <a:p>
-            <a:r>
-              <a:rPr lang="en-US">
-                <a:latin typeface="Arial"/>
-              </a:rPr>
-              <a:t>in lowercase</a:t>
-            </a:r>
-            <a:endParaRPr/>
-          </a:p>
-        </p:txBody>
-      </p:sp>
-      <p:sp>
-        <p:nvSpPr>
-          <p:cNvPr id="80" name="TextShape 45"/>
-          <p:cNvSpPr txBox="1"/>
-          <p:nvPr/>
-        </p:nvSpPr>
-        <p:spPr>
-          <a:xfrm>
-            <a:off x="7122600" y="5861520"/>
-            <a:ext cx="2782080" cy="346680"/>
-          </a:xfrm>
-          <a:prstGeom prst="rect">
-            <a:avLst/>
-          </a:prstGeom>
-        </p:spPr>
-        <p:txBody>
-          <a:bodyPr lIns="90000" rIns="90000" tIns="45000" bIns="45000"/>
-          <a:p>
-            <a:r>
-              <a:rPr lang="en-US">
-                <a:latin typeface="Arial"/>
-              </a:rPr>
-              <a:t>in lowercase</a:t>
-            </a:r>
-            <a:endParaRPr/>
-          </a:p>
-        </p:txBody>
       </p:sp>
     </p:spTree>
   </p:cSld>
